--- a/Poster_eigen.pptx
+++ b/Poster_eigen.pptx
@@ -7426,8 +7426,8 @@
         </p:nvSpPr>
         <p:spPr>
           <a:xfrm>
-            <a:off x="1382398" y="41849257"/>
-            <a:ext cx="27536774" cy="595945"/>
+            <a:off x="1382398" y="41849258"/>
+            <a:ext cx="28164152" cy="539894"/>
           </a:xfrm>
           <a:prstGeom prst="rect">
             <a:avLst/>
@@ -8771,11 +8771,11 @@
             </a:r>
             <a:r>
               <a:rPr lang="en-US" sz="2799" dirty="0"/>
-              <a:t> der </a:t>
+              <a:t> den </a:t>
             </a:r>
             <a:r>
               <a:rPr lang="en-US" sz="2799" dirty="0" err="1"/>
-              <a:t>Farbe</a:t>
+              <a:t>Farb-Werten</a:t>
             </a:r>
             <a:r>
               <a:rPr lang="en-US" sz="2799" dirty="0"/>
@@ -8795,8 +8795,13 @@
             </a:r>
             <a:r>
               <a:rPr lang="en-US" sz="2799" dirty="0"/>
-              <a:t> warden</a:t>
-            </a:r>
+              <a:t> </a:t>
+            </a:r>
+            <a:r>
+              <a:rPr lang="en-US" sz="2799" dirty="0" err="1"/>
+              <a:t>werden</a:t>
+            </a:r>
+            <a:endParaRPr lang="en-US" sz="2799" dirty="0"/>
           </a:p>
           <a:p>
             <a:pPr marL="546083" indent="-457200">
@@ -9799,7 +9804,7 @@
         </p:nvSpPr>
         <p:spPr>
           <a:xfrm>
-            <a:off x="15687394" y="36223798"/>
+            <a:off x="15687394" y="36000659"/>
             <a:ext cx="13231778" cy="5204948"/>
           </a:xfrm>
           <a:prstGeom prst="rect">
@@ -9965,23 +9970,7 @@
             </a:pPr>
             <a:r>
               <a:rPr lang="en-US" sz="2200" dirty="0"/>
-              <a:t>[1] S. Fahad, S. </a:t>
-            </a:r>
-            <a:r>
-              <a:rPr lang="en-US" sz="2200" dirty="0" err="1"/>
-              <a:t>ur</a:t>
-            </a:r>
-            <a:r>
-              <a:rPr lang="en-US" sz="2200" dirty="0"/>
-              <a:t> Rahman, I. Khan and S. </a:t>
-            </a:r>
-            <a:r>
-              <a:rPr lang="en-US" sz="2200" dirty="0" err="1"/>
-              <a:t>Haq</a:t>
-            </a:r>
-            <a:r>
-              <a:rPr lang="en-US" sz="2200" dirty="0"/>
-              <a:t>, “An experimental evaluation of different face recognition algorithms using closed circuit Television images,” 2017 IEEE 2nd International Conference on Signal and Image Processing (ICSIP), Singapore, 2017, pp. 51-54.</a:t>
+              <a:t>[1] Schnabel, R., Wahl, R. and Klein, R. (2007), Efficient RANSAC for Point-Cloud Shape Detection. Computer Graphics Forum, 26: 214-226.</a:t>
             </a:r>
           </a:p>
           <a:p>
@@ -9992,15 +9981,23 @@
             </a:pPr>
             <a:r>
               <a:rPr lang="en-US" sz="2200" dirty="0"/>
-              <a:t>[2] J. Deng, W. Dong, R. </a:t>
+              <a:t>[2] Dung, Lan-Rong, Chang-Min Huang, and Yin-Yi Wu. "Implementation of RANSAC algorithm for feature-based image registration." J. </a:t>
             </a:r>
             <a:r>
               <a:rPr lang="en-US" sz="2200" dirty="0" err="1"/>
-              <a:t>Socher</a:t>
+              <a:t>Comput</a:t>
             </a:r>
             <a:r>
               <a:rPr lang="en-US" sz="2200" dirty="0"/>
-              <a:t>, L. Li, Kai Li and Li Fei-Fei, “ImageNet: A large-scale hierarchical image database,” 2009 IEEE Conference on Computer Vision and Pattern Recognition, Miami, FL, 2009, pp. 248-255.</a:t>
+              <a:t>. </a:t>
+            </a:r>
+            <a:r>
+              <a:rPr lang="en-US" sz="2200" dirty="0" err="1"/>
+              <a:t>Commun</a:t>
+            </a:r>
+            <a:r>
+              <a:rPr lang="en-US" sz="2200" dirty="0"/>
+              <a:t> 1.6 (2013): 46-50.</a:t>
             </a:r>
           </a:p>
           <a:p>
@@ -10011,15 +10008,31 @@
             </a:pPr>
             <a:r>
               <a:rPr lang="en-US" sz="2200" dirty="0"/>
-              <a:t>[3] Karen </a:t>
+              <a:t>[3] Martin A. </a:t>
             </a:r>
             <a:r>
               <a:rPr lang="en-US" sz="2200" dirty="0" err="1"/>
-              <a:t>Simonyan</a:t>
+              <a:t>Fischler</a:t>
             </a:r>
             <a:r>
               <a:rPr lang="en-US" sz="2200" dirty="0"/>
-              <a:t>, Andrew Zisserman, “Very Deep Convolutional Networks for Large-Scale Image Recognition”, arXiv:1409.1556.</a:t>
+              <a:t> and Robert C. </a:t>
+            </a:r>
+            <a:r>
+              <a:rPr lang="en-US" sz="2200" dirty="0" err="1"/>
+              <a:t>Bolles</a:t>
+            </a:r>
+            <a:r>
+              <a:rPr lang="en-US" sz="2200" dirty="0"/>
+              <a:t>. 1981. Random sample consensus: a paradigm for model fitting with applications to image analysis and automated cartography. </a:t>
+            </a:r>
+            <a:r>
+              <a:rPr lang="en-US" sz="2200" dirty="0" err="1"/>
+              <a:t>Commun</a:t>
+            </a:r>
+            <a:r>
+              <a:rPr lang="en-US" sz="2200" dirty="0"/>
+              <a:t>. ACM 24, 6 (June 1981), 381–395.</a:t>
             </a:r>
           </a:p>
           <a:p>
@@ -10030,47 +10043,7 @@
             </a:pPr>
             <a:r>
               <a:rPr lang="en-US" sz="2200" dirty="0"/>
-              <a:t>[4] Christian </a:t>
-            </a:r>
-            <a:r>
-              <a:rPr lang="en-US" sz="2200" dirty="0" err="1"/>
-              <a:t>Szegedy</a:t>
-            </a:r>
-            <a:r>
-              <a:rPr lang="en-US" sz="2200" dirty="0"/>
-              <a:t>, Vincent </a:t>
-            </a:r>
-            <a:r>
-              <a:rPr lang="en-US" sz="2200" dirty="0" err="1"/>
-              <a:t>Vanhoucke</a:t>
-            </a:r>
-            <a:r>
-              <a:rPr lang="en-US" sz="2200" dirty="0"/>
-              <a:t>, Sergey </a:t>
-            </a:r>
-            <a:r>
-              <a:rPr lang="en-US" sz="2200" dirty="0" err="1"/>
-              <a:t>Ioffe</a:t>
-            </a:r>
-            <a:r>
-              <a:rPr lang="en-US" sz="2200" dirty="0"/>
-              <a:t>, Jonathon </a:t>
-            </a:r>
-            <a:r>
-              <a:rPr lang="en-US" sz="2200" dirty="0" err="1"/>
-              <a:t>Shlens</a:t>
-            </a:r>
-            <a:r>
-              <a:rPr lang="en-US" sz="2200" dirty="0"/>
-              <a:t>, Zbigniew </a:t>
-            </a:r>
-            <a:r>
-              <a:rPr lang="en-US" sz="2200" dirty="0" err="1"/>
-              <a:t>Wojna</a:t>
-            </a:r>
-            <a:r>
-              <a:rPr lang="en-US" sz="2200" dirty="0"/>
-              <a:t>, “Rethinking the Inception Architecture for Computer Vision”, arXiv:1512.00567.</a:t>
+              <a:t>[4] Parr B, Legg M, Alam F. Analysis of Depth Cameras for Proximal Sensing of Grapes. Sensors. 2022; 22(11):4179.</a:t>
             </a:r>
           </a:p>
           <a:p>
@@ -10081,39 +10054,31 @@
             </a:pPr>
             <a:r>
               <a:rPr lang="en-US" sz="2200" dirty="0"/>
-              <a:t>[5] Christian </a:t>
+              <a:t>[5] Qi, Charles R., Su, Hao, Mo, </a:t>
             </a:r>
             <a:r>
               <a:rPr lang="en-US" sz="2200" dirty="0" err="1"/>
-              <a:t>Szegedy</a:t>
+              <a:t>Kaichun</a:t>
             </a:r>
             <a:r>
               <a:rPr lang="en-US" sz="2200" dirty="0"/>
-              <a:t>, Sergey </a:t>
+              <a:t> and </a:t>
             </a:r>
             <a:r>
               <a:rPr lang="en-US" sz="2200" dirty="0" err="1"/>
-              <a:t>Ioffe</a:t>
+              <a:t>Guibas</a:t>
             </a:r>
             <a:r>
               <a:rPr lang="en-US" sz="2200" dirty="0"/>
-              <a:t>, Vincent </a:t>
+              <a:t>, Leonidas J. (2017), </a:t>
             </a:r>
             <a:r>
               <a:rPr lang="en-US" sz="2200" dirty="0" err="1"/>
-              <a:t>Vanhoucke</a:t>
+              <a:t>PointNet</a:t>
             </a:r>
             <a:r>
               <a:rPr lang="en-US" sz="2200" dirty="0"/>
-              <a:t>, Alex Alemi, “Inception-v4, Inception-</a:t>
-            </a:r>
-            <a:r>
-              <a:rPr lang="en-US" sz="2200" dirty="0" err="1"/>
-              <a:t>ResNet</a:t>
-            </a:r>
-            <a:r>
-              <a:rPr lang="en-US" sz="2200" dirty="0"/>
-              <a:t> and the Impact of Residual Connections on Learning” arXiv:1602.07261.</a:t>
+              <a:t>: Deep Learning on Point Sets for 3D Classification and Segmentation. Proceedings of the IEEE Conference on Computer Vision and Pattern Recognition (CVPR), July.</a:t>
             </a:r>
           </a:p>
           <a:p>
@@ -10124,45 +10089,61 @@
             </a:pPr>
             <a:r>
               <a:rPr lang="en-US" sz="2200" dirty="0"/>
-              <a:t>[6] </a:t>
+              <a:t>[6] Aoki, Yasuhiro, Goforth, Hunter, </a:t>
             </a:r>
             <a:r>
               <a:rPr lang="en-US" sz="2200" dirty="0" err="1"/>
-              <a:t>Kaiming</a:t>
+              <a:t>Srivatsan</a:t>
             </a:r>
             <a:r>
               <a:rPr lang="en-US" sz="2200" dirty="0"/>
-              <a:t> He, </a:t>
+              <a:t>, </a:t>
             </a:r>
             <a:r>
               <a:rPr lang="en-US" sz="2200" dirty="0" err="1"/>
-              <a:t>Xiangyu</a:t>
+              <a:t>Rangaprasad</a:t>
             </a:r>
             <a:r>
               <a:rPr lang="en-US" sz="2200" dirty="0"/>
-              <a:t> Zhang, </a:t>
+              <a:t> Arun and Lucey, Simon. (2019), </a:t>
             </a:r>
             <a:r>
               <a:rPr lang="en-US" sz="2200" dirty="0" err="1"/>
-              <a:t>Shaoqing</a:t>
+              <a:t>PointNetLK</a:t>
             </a:r>
             <a:r>
               <a:rPr lang="en-US" sz="2200" dirty="0"/>
-              <a:t> Ren, Jian Sun, “Deep Residual Learning for Image Recognition”, arXiv:1512.03385.</a:t>
-            </a:r>
-          </a:p>
-          <a:p>
-            <a:pPr indent="-2764073">
-              <a:spcAft>
-                <a:spcPts val="1200"/>
-              </a:spcAft>
-              <a:buFont typeface="Arial" panose="020B0604020202020204" pitchFamily="34" charset="0"/>
-              <a:buChar char="•"/>
-            </a:pPr>
+              <a:t>: Robust &amp; Efficient Point Cloud Registration Using </a:t>
+            </a:r>
+            <a:r>
+              <a:rPr lang="en-US" sz="2200" dirty="0" err="1"/>
+              <a:t>PointNet</a:t>
+            </a:r>
+            <a:r>
+              <a:rPr lang="en-US" sz="2200" dirty="0"/>
+              <a:t>. Proceedings of the IEEE/CVF Conference on Computer Vision and Pattern Recognition (CVPR), June.</a:t>
+            </a:r>
             <a:endParaRPr lang="en-US" sz="2000" b="1" dirty="0"/>
           </a:p>
           <a:p>
-            <a:endParaRPr lang="en-US" dirty="0"/>
+            <a:r>
+              <a:rPr lang="en-US" dirty="0"/>
+              <a:t>				               </a:t>
+            </a:r>
+          </a:p>
+          <a:p>
+            <a:r>
+              <a:rPr lang="en-US" dirty="0"/>
+              <a:t>				               </a:t>
+            </a:r>
+            <a:r>
+              <a:rPr lang="en-US" dirty="0" err="1"/>
+              <a:t>Sommersemester</a:t>
+            </a:r>
+            <a:r>
+              <a:rPr lang="en-US" dirty="0"/>
+              <a:t> 2024</a:t>
+            </a:r>
           </a:p>
         </p:txBody>
       </p:sp>
@@ -10359,7 +10340,47 @@
                 <a:latin typeface="Arial" panose="020B0604020202020204" pitchFamily="34" charset="0"/>
                 <a:cs typeface="Arial" panose="020B0604020202020204" pitchFamily="34" charset="0"/>
               </a:rPr>
-              <a:t>Dominik Bücher und Peter Ott</a:t>
+              <a:t>Dominik </a:t>
+            </a:r>
+            <a:r>
+              <a:rPr lang="en-US" sz="4000" dirty="0" err="1">
+                <a:solidFill>
+                  <a:schemeClr val="bg1"/>
+                </a:solidFill>
+                <a:latin typeface="Arial" panose="020B0604020202020204" pitchFamily="34" charset="0"/>
+                <a:cs typeface="Arial" panose="020B0604020202020204" pitchFamily="34" charset="0"/>
+              </a:rPr>
+              <a:t>Bücher</a:t>
+            </a:r>
+            <a:r>
+              <a:rPr lang="en-US" sz="4000" dirty="0">
+                <a:solidFill>
+                  <a:schemeClr val="bg1"/>
+                </a:solidFill>
+                <a:latin typeface="Arial" panose="020B0604020202020204" pitchFamily="34" charset="0"/>
+                <a:cs typeface="Arial" panose="020B0604020202020204" pitchFamily="34" charset="0"/>
+              </a:rPr>
+              <a:t>, </a:t>
+            </a:r>
+            <a:r>
+              <a:rPr lang="en-US" sz="4000" dirty="0" err="1">
+                <a:solidFill>
+                  <a:schemeClr val="bg1"/>
+                </a:solidFill>
+                <a:latin typeface="Arial" panose="020B0604020202020204" pitchFamily="34" charset="0"/>
+                <a:cs typeface="Arial" panose="020B0604020202020204" pitchFamily="34" charset="0"/>
+              </a:rPr>
+              <a:t>Betreuer</a:t>
+            </a:r>
+            <a:r>
+              <a:rPr lang="en-US" sz="4000" dirty="0">
+                <a:solidFill>
+                  <a:schemeClr val="bg1"/>
+                </a:solidFill>
+                <a:latin typeface="Arial" panose="020B0604020202020204" pitchFamily="34" charset="0"/>
+                <a:cs typeface="Arial" panose="020B0604020202020204" pitchFamily="34" charset="0"/>
+              </a:rPr>
+              <a:t>: Peter Ott</a:t>
             </a:r>
           </a:p>
           <a:p>
@@ -11945,8 +11966,39 @@
             </a:r>
             <a:r>
               <a:rPr lang="de-DE" sz="2800" dirty="0"/>
-              <a:t> ist eine tiefenlernende Architektur, die speziell für die Verarbeitung und Analyse von 3D-Punktwolken entwickelt wurde. </a:t>
-            </a:r>
+              <a:t> ist eine tiefenlernende Architektur, die speziell für die Verarbeitung und Analyse von 3D-Punktwolken entwickelt wurde</a:t>
+            </a:r>
+          </a:p>
+          <a:p>
+            <a:pPr marL="536468" indent="-361878">
+              <a:buFont typeface="Arial" panose="020B0604020202020204" pitchFamily="34" charset="0"/>
+              <a:buChar char="•"/>
+            </a:pPr>
+            <a:endParaRPr lang="de-DE" sz="2000" dirty="0"/>
+          </a:p>
+          <a:p>
+            <a:pPr marL="536468" indent="-361878">
+              <a:buFont typeface="Arial" panose="020B0604020202020204" pitchFamily="34" charset="0"/>
+              <a:buChar char="•"/>
+            </a:pPr>
+            <a:r>
+              <a:rPr lang="de-DE" sz="2800" dirty="0"/>
+              <a:t>Die ersten Trainierten Modelle liefern bereits vielversprechende Ergebnisse</a:t>
+            </a:r>
+          </a:p>
+          <a:p>
+            <a:pPr marL="536468" indent="-361878">
+              <a:buFont typeface="Arial" panose="020B0604020202020204" pitchFamily="34" charset="0"/>
+              <a:buChar char="•"/>
+            </a:pPr>
+            <a:endParaRPr lang="de-DE" sz="2800" dirty="0"/>
+          </a:p>
+          <a:p>
+            <a:pPr marL="536468" indent="-361878">
+              <a:buFont typeface="Arial" panose="020B0604020202020204" pitchFamily="34" charset="0"/>
+              <a:buChar char="•"/>
+            </a:pPr>
+            <a:endParaRPr lang="de-DE" sz="2800" dirty="0"/>
           </a:p>
           <a:p>
             <a:pPr marL="536468" indent="-361878">
@@ -11979,8 +12031,8 @@
         </p:blipFill>
         <p:spPr>
           <a:xfrm>
-            <a:off x="15526465" y="28989812"/>
-            <a:ext cx="13276949" cy="4722702"/>
+            <a:off x="15499330" y="29436535"/>
+            <a:ext cx="13737030" cy="4886356"/>
           </a:xfrm>
           <a:prstGeom prst="rect">
             <a:avLst/>
@@ -12009,7 +12061,7 @@
         </p:blipFill>
         <p:spPr>
           <a:xfrm>
-            <a:off x="7038199" y="26624873"/>
+            <a:off x="7627594" y="26398646"/>
             <a:ext cx="7662251" cy="7302561"/>
           </a:xfrm>
           <a:prstGeom prst="rect">
@@ -12032,7 +12084,7 @@
         <p:spPr>
           <a:xfrm>
             <a:off x="1367804" y="26381997"/>
-            <a:ext cx="6423646" cy="9971961"/>
+            <a:ext cx="6690346" cy="9971961"/>
           </a:xfrm>
           <a:prstGeom prst="rect">
             <a:avLst/>
@@ -12141,16 +12193,6 @@
             </a:r>
           </a:p>
           <a:p>
-            <a:pPr marL="914400" lvl="1" indent="-457200">
-              <a:buFont typeface="Symbol" panose="05050102010706020507" pitchFamily="18" charset="2"/>
-              <a:buChar char="-"/>
-            </a:pPr>
-            <a:endParaRPr lang="de-DE" sz="2800" dirty="0">
-              <a:latin typeface="Arial" panose="020B0604020202020204" pitchFamily="34" charset="0"/>
-              <a:cs typeface="Arial" panose="020B0604020202020204" pitchFamily="34" charset="0"/>
-            </a:endParaRPr>
-          </a:p>
-          <a:p>
             <a:pPr marL="285750" indent="-285750">
               <a:buFont typeface="Arial" panose="020B0604020202020204" pitchFamily="34" charset="0"/>
               <a:buChar char="•"/>
@@ -12165,10 +12207,13 @@
               <a:buFont typeface="Arial" panose="020B0604020202020204" pitchFamily="34" charset="0"/>
               <a:buChar char="•"/>
             </a:pPr>
-            <a:endParaRPr lang="de-DE" sz="2800" dirty="0">
-              <a:latin typeface="Arial" panose="020B0604020202020204" pitchFamily="34" charset="0"/>
-              <a:cs typeface="Arial" panose="020B0604020202020204" pitchFamily="34" charset="0"/>
-            </a:endParaRPr>
+            <a:r>
+              <a:rPr lang="de-DE" sz="2800" dirty="0">
+                <a:latin typeface="Arial" panose="020B0604020202020204" pitchFamily="34" charset="0"/>
+                <a:cs typeface="Arial" panose="020B0604020202020204" pitchFamily="34" charset="0"/>
+              </a:rPr>
+              <a:t>Herausforderung: Richtige Parameter für den RANSAC Algorithmus finden</a:t>
+            </a:r>
           </a:p>
           <a:p>
             <a:endParaRPr lang="de-DE" dirty="0"/>

--- a/Poster_eigen.pptx
+++ b/Poster_eigen.pptx
@@ -202,7 +202,7 @@
           <a:p>
             <a:fld id="{58799D8F-83A6-B647-AF5F-7FECB5753E0E}" type="datetimeFigureOut">
               <a:rPr lang="de-DE" smtClean="0"/>
-              <a:t>27.05.2024</a:t>
+              <a:t>05.06.2024</a:t>
             </a:fld>
             <a:endParaRPr lang="de-DE"/>
           </a:p>
@@ -2127,7 +2127,7 @@
           <a:p>
             <a:fld id="{D1973A6A-431C-2646-8DE9-3A1A8FF260FA}" type="datetimeFigureOut">
               <a:rPr lang="de-DE" smtClean="0"/>
-              <a:t>27.05.2024</a:t>
+              <a:t>05.06.2024</a:t>
             </a:fld>
             <a:endParaRPr lang="de-DE"/>
           </a:p>
@@ -3858,7 +3858,7 @@
           <a:p>
             <a:fld id="{D1973A6A-431C-2646-8DE9-3A1A8FF260FA}" type="datetimeFigureOut">
               <a:rPr lang="de-DE" smtClean="0"/>
-              <a:t>27.05.2024</a:t>
+              <a:t>05.06.2024</a:t>
             </a:fld>
             <a:endParaRPr lang="de-DE"/>
           </a:p>
@@ -5589,7 +5589,7 @@
           <a:p>
             <a:fld id="{D1973A6A-431C-2646-8DE9-3A1A8FF260FA}" type="datetimeFigureOut">
               <a:rPr lang="de-DE" smtClean="0"/>
-              <a:t>27.05.2024</a:t>
+              <a:t>05.06.2024</a:t>
             </a:fld>
             <a:endParaRPr lang="de-DE"/>
           </a:p>
@@ -5719,7 +5719,7 @@
           <a:p>
             <a:fld id="{D1973A6A-431C-2646-8DE9-3A1A8FF260FA}" type="datetimeFigureOut">
               <a:rPr lang="de-DE" smtClean="0"/>
-              <a:t>27.05.2024</a:t>
+              <a:t>05.06.2024</a:t>
             </a:fld>
             <a:endParaRPr lang="de-DE"/>
           </a:p>
@@ -6300,7 +6300,7 @@
           <a:p>
             <a:fld id="{D1973A6A-431C-2646-8DE9-3A1A8FF260FA}" type="datetimeFigureOut">
               <a:rPr lang="de-DE" smtClean="0"/>
-              <a:t>27.05.2024</a:t>
+              <a:t>05.06.2024</a:t>
             </a:fld>
             <a:endParaRPr lang="de-DE"/>
           </a:p>
@@ -6875,7 +6875,7 @@
           <a:p>
             <a:fld id="{D1973A6A-431C-2646-8DE9-3A1A8FF260FA}" type="datetimeFigureOut">
               <a:rPr lang="de-DE" smtClean="0"/>
-              <a:t>27.05.2024</a:t>
+              <a:t>05.06.2024</a:t>
             </a:fld>
             <a:endParaRPr lang="de-DE"/>
           </a:p>
@@ -8196,14 +8196,24 @@
           </a:lstStyle>
           <a:p>
             <a:r>
-              <a:rPr lang="en-US" b="1" cap="none" dirty="0">
+              <a:rPr lang="en-US" b="1" cap="none" dirty="0" err="1">
                 <a:solidFill>
                   <a:schemeClr val="accent1">
                     <a:lumMod val="75000"/>
                   </a:schemeClr>
                 </a:solidFill>
               </a:rPr>
-              <a:t>Shape detection </a:t>
+              <a:t>Formenerkennung</a:t>
+            </a:r>
+            <a:r>
+              <a:rPr lang="en-US" b="1" cap="none" dirty="0">
+                <a:solidFill>
+                  <a:schemeClr val="accent1">
+                    <a:lumMod val="75000"/>
+                  </a:schemeClr>
+                </a:solidFill>
+              </a:rPr>
+              <a:t> </a:t>
             </a:r>
             <a:r>
               <a:rPr lang="en-US" b="1" cap="none" dirty="0" err="1">
@@ -8421,7 +8431,7 @@
         </p:nvSpPr>
         <p:spPr>
           <a:xfrm>
-            <a:off x="1332248" y="36223798"/>
+            <a:off x="1332248" y="36046816"/>
             <a:ext cx="13231778" cy="5204948"/>
           </a:xfrm>
           <a:prstGeom prst="rect">
@@ -8588,230 +8598,31 @@
               <a:buChar char="•"/>
             </a:pPr>
             <a:r>
-              <a:rPr lang="en-US" sz="2799" dirty="0"/>
-              <a:t>Die </a:t>
-            </a:r>
-            <a:r>
-              <a:rPr lang="en-US" sz="2799" dirty="0" err="1"/>
-              <a:t>Traubenbeeren</a:t>
-            </a:r>
-            <a:r>
-              <a:rPr lang="en-US" sz="2799" dirty="0"/>
-              <a:t> </a:t>
-            </a:r>
-            <a:r>
-              <a:rPr lang="en-US" sz="2799" dirty="0" err="1"/>
-              <a:t>Lokalisierung</a:t>
-            </a:r>
-            <a:r>
-              <a:rPr lang="en-US" sz="2799" dirty="0"/>
-              <a:t> </a:t>
-            </a:r>
-            <a:r>
-              <a:rPr lang="en-US" sz="2799" dirty="0" err="1"/>
-              <a:t>mit</a:t>
-            </a:r>
-            <a:r>
-              <a:rPr lang="en-US" sz="2799" dirty="0"/>
-              <a:t> der RANSAC shape detection </a:t>
-            </a:r>
-            <a:r>
-              <a:rPr lang="en-US" sz="2799" dirty="0" err="1"/>
-              <a:t>funtkioniert</a:t>
-            </a:r>
-            <a:r>
-              <a:rPr lang="en-US" sz="2799" dirty="0"/>
-              <a:t> </a:t>
-            </a:r>
-            <a:r>
-              <a:rPr lang="en-US" sz="2799" dirty="0" err="1"/>
-              <a:t>sehr</a:t>
-            </a:r>
-            <a:r>
-              <a:rPr lang="en-US" sz="2799" dirty="0"/>
-              <a:t> gut, </a:t>
-            </a:r>
-            <a:r>
-              <a:rPr lang="en-US" sz="2799" dirty="0" err="1"/>
-              <a:t>jedoch</a:t>
-            </a:r>
-            <a:r>
-              <a:rPr lang="en-US" sz="2799" dirty="0"/>
-              <a:t> warden </a:t>
-            </a:r>
-            <a:r>
-              <a:rPr lang="en-US" sz="2799" dirty="0" err="1"/>
-              <a:t>zusätzlich</a:t>
-            </a:r>
-            <a:r>
-              <a:rPr lang="en-US" sz="2799" dirty="0"/>
-              <a:t> </a:t>
-            </a:r>
-            <a:r>
-              <a:rPr lang="en-US" sz="2799" dirty="0" err="1"/>
-              <a:t>zu</a:t>
-            </a:r>
-            <a:r>
-              <a:rPr lang="en-US" sz="2799" dirty="0"/>
-              <a:t> den </a:t>
-            </a:r>
-            <a:r>
-              <a:rPr lang="en-US" sz="2799" dirty="0" err="1"/>
-              <a:t>Trauben</a:t>
-            </a:r>
-            <a:r>
-              <a:rPr lang="en-US" sz="2799" dirty="0"/>
-              <a:t> </a:t>
-            </a:r>
-            <a:r>
-              <a:rPr lang="en-US" sz="2799" dirty="0" err="1"/>
-              <a:t>auch</a:t>
-            </a:r>
-            <a:r>
-              <a:rPr lang="en-US" sz="2799" dirty="0"/>
-              <a:t> </a:t>
-            </a:r>
-            <a:r>
-              <a:rPr lang="en-US" sz="2799" dirty="0" err="1"/>
-              <a:t>noch</a:t>
-            </a:r>
-            <a:r>
-              <a:rPr lang="en-US" sz="2799" dirty="0"/>
-              <a:t> </a:t>
-            </a:r>
-            <a:r>
-              <a:rPr lang="en-US" sz="2799" dirty="0" err="1"/>
-              <a:t>einige</a:t>
-            </a:r>
-            <a:r>
-              <a:rPr lang="en-US" sz="2799" dirty="0"/>
-              <a:t> </a:t>
-            </a:r>
-            <a:r>
-              <a:rPr lang="en-US" sz="2799" dirty="0" err="1"/>
-              <a:t>umwichtige</a:t>
-            </a:r>
-            <a:r>
-              <a:rPr lang="en-US" sz="2799" dirty="0"/>
-              <a:t> </a:t>
-            </a:r>
-            <a:r>
-              <a:rPr lang="en-US" sz="2799" dirty="0" err="1"/>
-              <a:t>Stellen</a:t>
-            </a:r>
-            <a:r>
-              <a:rPr lang="en-US" sz="2799" dirty="0"/>
-              <a:t> in der </a:t>
-            </a:r>
-            <a:r>
-              <a:rPr lang="en-US" sz="2799" dirty="0" err="1"/>
-              <a:t>Punktewolke</a:t>
-            </a:r>
-            <a:r>
-              <a:rPr lang="en-US" sz="2799" dirty="0"/>
-              <a:t> </a:t>
-            </a:r>
-            <a:r>
-              <a:rPr lang="en-US" sz="2799" dirty="0" err="1"/>
-              <a:t>erfasst</a:t>
-            </a:r>
-            <a:endParaRPr lang="en-US" sz="2799" dirty="0"/>
+              <a:rPr lang="de-DE" sz="2799" dirty="0"/>
+              <a:t>Die Lokalisierung der Traubenbeeren mittels RANSAC-Formenerkennung funktioniert sehr gut, jedoch werden zusätzlich zu den Trauben auch einige unwichtige Stellen in der Punktwolke erfasst</a:t>
+            </a:r>
+            <a:endParaRPr lang="de-DE" sz="1600" dirty="0"/>
           </a:p>
           <a:p>
             <a:pPr marL="546083" indent="-457200">
               <a:spcAft>
                 <a:spcPts val="600"/>
               </a:spcAft>
-              <a:buFont typeface="Wingdings" panose="05000000000000000000" pitchFamily="2" charset="2"/>
-              <a:buChar char="Ø"/>
+              <a:buFont typeface="Symbol" panose="05050102010706020507" pitchFamily="18" charset="2"/>
+              <a:buChar char=""/>
             </a:pPr>
             <a:r>
-              <a:rPr lang="en-US" sz="2799" dirty="0" err="1"/>
-              <a:t>Diese</a:t>
-            </a:r>
-            <a:r>
-              <a:rPr lang="en-US" sz="2799" dirty="0"/>
-              <a:t> </a:t>
-            </a:r>
-            <a:r>
-              <a:rPr lang="en-US" sz="2799" dirty="0" err="1"/>
-              <a:t>Punkte</a:t>
-            </a:r>
-            <a:r>
-              <a:rPr lang="en-US" sz="2799" dirty="0"/>
-              <a:t> </a:t>
-            </a:r>
-            <a:r>
-              <a:rPr lang="en-US" sz="2799" dirty="0" err="1"/>
-              <a:t>können</a:t>
-            </a:r>
-            <a:r>
-              <a:rPr lang="en-US" sz="2799" dirty="0"/>
-              <a:t> </a:t>
-            </a:r>
-            <a:r>
-              <a:rPr lang="en-US" sz="2799" dirty="0" err="1"/>
-              <a:t>jedoch</a:t>
-            </a:r>
-            <a:r>
-              <a:rPr lang="en-US" sz="2799" dirty="0"/>
-              <a:t> </a:t>
-            </a:r>
-            <a:r>
-              <a:rPr lang="en-US" sz="2799" dirty="0" err="1"/>
-              <a:t>größtenteils</a:t>
-            </a:r>
-            <a:r>
-              <a:rPr lang="en-US" sz="2799" dirty="0"/>
-              <a:t> </a:t>
-            </a:r>
-            <a:r>
-              <a:rPr lang="en-US" sz="2799" dirty="0" err="1"/>
-              <a:t>mit</a:t>
-            </a:r>
-            <a:r>
-              <a:rPr lang="en-US" sz="2799" dirty="0"/>
-              <a:t> den </a:t>
-            </a:r>
-            <a:r>
-              <a:rPr lang="en-US" sz="2799" dirty="0" err="1"/>
-              <a:t>Farb-Werten</a:t>
-            </a:r>
-            <a:r>
-              <a:rPr lang="en-US" sz="2799" dirty="0"/>
-              <a:t> </a:t>
-            </a:r>
-            <a:r>
-              <a:rPr lang="en-US" sz="2799" dirty="0" err="1"/>
-              <a:t>heraus</a:t>
-            </a:r>
-            <a:r>
-              <a:rPr lang="en-US" sz="2799" dirty="0"/>
-              <a:t> </a:t>
-            </a:r>
-            <a:r>
-              <a:rPr lang="en-US" sz="2799" dirty="0" err="1"/>
-              <a:t>gefiltert</a:t>
-            </a:r>
-            <a:r>
-              <a:rPr lang="en-US" sz="2799" dirty="0"/>
-              <a:t> </a:t>
-            </a:r>
-            <a:r>
-              <a:rPr lang="en-US" sz="2799" dirty="0" err="1"/>
-              <a:t>werden</a:t>
-            </a:r>
-            <a:endParaRPr lang="en-US" sz="2799" dirty="0"/>
-          </a:p>
-          <a:p>
-            <a:pPr marL="546083" indent="-457200">
+              <a:rPr lang="de-DE" sz="2799" dirty="0"/>
+              <a:t>Diese Punkte können jedoch größtenteils anhand der Farbwerte herausgefiltert werden</a:t>
+            </a:r>
+          </a:p>
+          <a:p>
+            <a:pPr marL="88883">
               <a:spcAft>
                 <a:spcPts val="600"/>
               </a:spcAft>
-              <a:buFont typeface="Wingdings" panose="05000000000000000000" pitchFamily="2" charset="2"/>
-              <a:buChar char="Ø"/>
             </a:pPr>
-            <a:endParaRPr lang="en-US" sz="2799" dirty="0"/>
+            <a:endParaRPr lang="en-US" sz="1400" dirty="0"/>
           </a:p>
           <a:p>
             <a:pPr marL="546083" indent="-457200">
@@ -8822,94 +8633,17 @@
               <a:buChar char="•"/>
             </a:pPr>
             <a:r>
-              <a:rPr lang="en-US" sz="2799" dirty="0"/>
+              <a:rPr lang="de-DE" sz="2799" dirty="0"/>
               <a:t>Das </a:t>
             </a:r>
             <a:r>
-              <a:rPr lang="en-US" sz="2799" dirty="0" err="1"/>
+              <a:rPr lang="de-DE" sz="2799" dirty="0" err="1"/>
               <a:t>PointNet</a:t>
             </a:r>
             <a:r>
-              <a:rPr lang="en-US" sz="2799" dirty="0"/>
-              <a:t>-Modell </a:t>
-            </a:r>
-            <a:r>
-              <a:rPr lang="en-US" sz="2799" dirty="0" err="1"/>
-              <a:t>liefert</a:t>
-            </a:r>
-            <a:r>
-              <a:rPr lang="en-US" sz="2799" dirty="0"/>
-              <a:t> hat </a:t>
-            </a:r>
-            <a:r>
-              <a:rPr lang="en-US" sz="2799" dirty="0" err="1"/>
-              <a:t>momentan</a:t>
-            </a:r>
-            <a:r>
-              <a:rPr lang="en-US" sz="2799" dirty="0"/>
-              <a:t> </a:t>
-            </a:r>
-            <a:r>
-              <a:rPr lang="en-US" sz="2799" dirty="0" err="1"/>
-              <a:t>eine</a:t>
-            </a:r>
-            <a:r>
-              <a:rPr lang="en-US" sz="2799" dirty="0"/>
-              <a:t> </a:t>
-            </a:r>
-            <a:r>
-              <a:rPr lang="en-US" sz="2799" dirty="0" err="1"/>
-              <a:t>Genauigkeit</a:t>
-            </a:r>
-            <a:r>
-              <a:rPr lang="en-US" sz="2799" dirty="0"/>
-              <a:t> von </a:t>
-            </a:r>
-            <a:r>
-              <a:rPr lang="en-US" sz="2799" dirty="0" err="1"/>
-              <a:t>über</a:t>
-            </a:r>
-            <a:r>
-              <a:rPr lang="en-US" sz="2799" dirty="0"/>
-              <a:t> 97%, was für </a:t>
-            </a:r>
-            <a:r>
-              <a:rPr lang="en-US" sz="2799" dirty="0" err="1"/>
-              <a:t>ein</a:t>
-            </a:r>
-            <a:r>
-              <a:rPr lang="en-US" sz="2799" dirty="0"/>
-              <a:t> </a:t>
-            </a:r>
-            <a:r>
-              <a:rPr lang="en-US" sz="2799" dirty="0" err="1"/>
-              <a:t>sehr</a:t>
-            </a:r>
-            <a:r>
-              <a:rPr lang="en-US" sz="2799" dirty="0"/>
-              <a:t> </a:t>
-            </a:r>
-            <a:r>
-              <a:rPr lang="en-US" sz="2799" dirty="0" err="1"/>
-              <a:t>gutes</a:t>
-            </a:r>
-            <a:r>
-              <a:rPr lang="en-US" sz="2799" dirty="0"/>
-              <a:t> </a:t>
-            </a:r>
-            <a:r>
-              <a:rPr lang="en-US" sz="2799" dirty="0" err="1"/>
-              <a:t>Ergebnis</a:t>
-            </a:r>
-            <a:r>
-              <a:rPr lang="en-US" sz="2799" dirty="0"/>
-              <a:t> </a:t>
-            </a:r>
-            <a:r>
-              <a:rPr lang="en-US" sz="2799" dirty="0" err="1"/>
-              <a:t>spricht</a:t>
-            </a:r>
-            <a:endParaRPr lang="en-US" sz="2799" dirty="0"/>
+              <a:rPr lang="de-DE" sz="2799" dirty="0"/>
+              <a:t>-Modell liefert derzeit eine Genauigkeit von über 97 %, was auf ein sehr gutes Ergebnis hinweist</a:t>
+            </a:r>
           </a:p>
           <a:p>
             <a:pPr marL="546083" indent="-457200">
@@ -8919,7 +8653,7 @@
               <a:buFont typeface="Arial" panose="020B0604020202020204" pitchFamily="34" charset="0"/>
               <a:buChar char="•"/>
             </a:pPr>
-            <a:endParaRPr lang="en-US" sz="2799" dirty="0"/>
+            <a:endParaRPr lang="en-US" sz="1400" dirty="0"/>
           </a:p>
           <a:p>
             <a:pPr marL="546083" indent="-457200">
@@ -8930,106 +8664,9 @@
               <a:buChar char="o"/>
             </a:pPr>
             <a:r>
-              <a:rPr lang="en-US" sz="2799" dirty="0"/>
-              <a:t>Die </a:t>
-            </a:r>
-            <a:r>
-              <a:rPr lang="en-US" sz="2799" dirty="0" err="1"/>
-              <a:t>guten</a:t>
-            </a:r>
-            <a:r>
-              <a:rPr lang="en-US" sz="2799" dirty="0"/>
-              <a:t> </a:t>
-            </a:r>
-            <a:r>
-              <a:rPr lang="en-US" sz="2799" dirty="0" err="1"/>
-              <a:t>Ergebnisse</a:t>
-            </a:r>
-            <a:r>
-              <a:rPr lang="en-US" sz="2799" dirty="0"/>
-              <a:t> der </a:t>
-            </a:r>
-            <a:r>
-              <a:rPr lang="en-US" sz="2799" dirty="0" err="1"/>
-              <a:t>Modelle</a:t>
-            </a:r>
-            <a:r>
-              <a:rPr lang="en-US" sz="2799" dirty="0"/>
-              <a:t> </a:t>
-            </a:r>
-            <a:r>
-              <a:rPr lang="en-US" sz="2799" dirty="0" err="1"/>
-              <a:t>müssen</a:t>
-            </a:r>
-            <a:r>
-              <a:rPr lang="en-US" sz="2799" dirty="0"/>
-              <a:t> </a:t>
-            </a:r>
-            <a:r>
-              <a:rPr lang="en-US" sz="2799" dirty="0" err="1"/>
-              <a:t>nochmals</a:t>
-            </a:r>
-            <a:r>
-              <a:rPr lang="en-US" sz="2799" dirty="0"/>
-              <a:t> </a:t>
-            </a:r>
-            <a:r>
-              <a:rPr lang="en-US" sz="2799" dirty="0" err="1"/>
-              <a:t>Kontrolliert</a:t>
-            </a:r>
-            <a:r>
-              <a:rPr lang="en-US" sz="2799" dirty="0"/>
-              <a:t> warden und </a:t>
-            </a:r>
-            <a:r>
-              <a:rPr lang="en-US" sz="2799" dirty="0" err="1"/>
-              <a:t>gegebenenfalls</a:t>
-            </a:r>
-            <a:r>
-              <a:rPr lang="en-US" sz="2799" dirty="0"/>
-              <a:t> auf </a:t>
-            </a:r>
-            <a:r>
-              <a:rPr lang="en-US" sz="2799" dirty="0" err="1"/>
-              <a:t>einem</a:t>
-            </a:r>
-            <a:r>
-              <a:rPr lang="en-US" sz="2799" dirty="0"/>
-              <a:t> </a:t>
-            </a:r>
-            <a:r>
-              <a:rPr lang="en-US" sz="2799" dirty="0" err="1"/>
-              <a:t>Größeren</a:t>
-            </a:r>
-            <a:r>
-              <a:rPr lang="en-US" sz="2799" dirty="0"/>
-              <a:t> </a:t>
-            </a:r>
-            <a:r>
-              <a:rPr lang="en-US" sz="2799" dirty="0" err="1"/>
-              <a:t>Datensatz</a:t>
-            </a:r>
-            <a:r>
-              <a:rPr lang="en-US" sz="2799" dirty="0"/>
-              <a:t> </a:t>
-            </a:r>
-            <a:r>
-              <a:rPr lang="en-US" sz="2799" dirty="0" err="1"/>
-              <a:t>überprüft</a:t>
-            </a:r>
-            <a:r>
-              <a:rPr lang="en-US" sz="2799" dirty="0"/>
-              <a:t>  warden</a:t>
-            </a:r>
-          </a:p>
-          <a:p>
-            <a:pPr marL="457109" indent="-368226">
-              <a:spcAft>
-                <a:spcPts val="600"/>
-              </a:spcAft>
-              <a:buFont typeface="Arial" panose="020B0604020202020204" pitchFamily="34" charset="0"/>
-              <a:buChar char="•"/>
-            </a:pPr>
+              <a:rPr lang="de-DE" sz="2799" dirty="0"/>
+              <a:t>Die Ergebnisse der Modelle müssen nochmals überprüft und gegebenenfalls auf einem größeren Datensatz validiert werden </a:t>
+            </a:r>
             <a:endParaRPr lang="en-US" sz="2799" dirty="0"/>
           </a:p>
           <a:p>
@@ -9051,7 +8688,7 @@
         </p:nvCxnSpPr>
         <p:spPr>
           <a:xfrm>
-            <a:off x="1418592" y="16213788"/>
+            <a:off x="1418592" y="16184291"/>
             <a:ext cx="27450725" cy="0"/>
           </a:xfrm>
           <a:prstGeom prst="line">
@@ -9093,7 +8730,7 @@
         </p:nvCxnSpPr>
         <p:spPr>
           <a:xfrm>
-            <a:off x="1367804" y="25029870"/>
+            <a:off x="1367804" y="24970876"/>
             <a:ext cx="27450725" cy="0"/>
           </a:xfrm>
           <a:prstGeom prst="line">
@@ -9135,7 +8772,7 @@
         </p:nvCxnSpPr>
         <p:spPr>
           <a:xfrm>
-            <a:off x="1405897" y="34843715"/>
+            <a:off x="1405897" y="34578242"/>
             <a:ext cx="27450725" cy="0"/>
           </a:xfrm>
           <a:prstGeom prst="line">
@@ -9179,7 +8816,7 @@
         </p:nvSpPr>
         <p:spPr>
           <a:xfrm>
-            <a:off x="1369393" y="35272005"/>
+            <a:off x="1369393" y="35095023"/>
             <a:ext cx="13215254" cy="915817"/>
           </a:xfrm>
           <a:prstGeom prst="rect">
@@ -9358,7 +8995,7 @@
         </p:nvSpPr>
         <p:spPr>
           <a:xfrm>
-            <a:off x="15681553" y="35272005"/>
+            <a:off x="15681553" y="35095023"/>
             <a:ext cx="13215254" cy="915817"/>
           </a:xfrm>
           <a:prstGeom prst="rect">
@@ -9702,8 +9339,9 @@
             </a:pPr>
             <a:r>
               <a:rPr lang="de-DE" sz="2800" dirty="0"/>
-              <a:t>Lokalisierung der einzelnen Traubenbeeren an der Traube mit Hilfe einer Tiefenkamera</a:t>
-            </a:r>
+              <a:t>Lokalisierung der einzelnen Traubenbeeren an der Traube mithilfe einer Tiefenkamera</a:t>
+            </a:r>
+            <a:endParaRPr lang="de-DE" sz="2400" dirty="0"/>
           </a:p>
           <a:p>
             <a:pPr marL="536468" indent="-361878">
@@ -9712,7 +9350,7 @@
             </a:pPr>
             <a:r>
               <a:rPr lang="de-DE" sz="2800" dirty="0"/>
-              <a:t>Bestimmung von Form und Farbe der einzelnen Trauben</a:t>
+              <a:t>Bestimmung von Form und Farbe der einzelnen Traubenbeeren</a:t>
             </a:r>
           </a:p>
           <a:p>
@@ -9726,10 +9364,7 @@
             </a:r>
           </a:p>
           <a:p>
-            <a:pPr marL="536468" indent="-361878">
-              <a:buFont typeface="Arial" panose="020B0604020202020204" pitchFamily="34" charset="0"/>
-              <a:buChar char="•"/>
-            </a:pPr>
+            <a:pPr marL="174590"/>
             <a:endParaRPr lang="en-US" sz="2800" dirty="0"/>
           </a:p>
           <a:p>
@@ -9752,7 +9387,7 @@
             </a:pPr>
             <a:r>
               <a:rPr lang="de-DE" sz="2800" dirty="0"/>
-              <a:t>Erstellen einer Punktwolke der Weintraube mit der Azure-Tiefenkamera </a:t>
+              <a:t>Erstellen einer Punktwolke der Weintraube mit der Azure-Tiefenkamera</a:t>
             </a:r>
           </a:p>
           <a:p>
@@ -9804,7 +9439,7 @@
         </p:nvSpPr>
         <p:spPr>
           <a:xfrm>
-            <a:off x="15687394" y="36000659"/>
+            <a:off x="15687394" y="35823677"/>
             <a:ext cx="13231778" cy="5204948"/>
           </a:xfrm>
           <a:prstGeom prst="rect">
@@ -10908,8 +10543,8 @@
         </p:blipFill>
         <p:spPr>
           <a:xfrm>
-            <a:off x="27014171" y="8411102"/>
-            <a:ext cx="3243264" cy="3243264"/>
+            <a:off x="27019671" y="8324421"/>
+            <a:ext cx="3237764" cy="3237764"/>
           </a:xfrm>
           <a:prstGeom prst="rect">
             <a:avLst/>
@@ -11138,8 +10773,12 @@
             </a:pPr>
             <a:r>
               <a:rPr lang="de-DE" sz="2800" dirty="0"/>
-              <a:t>Wobei die Aufnahmen der Tiefenkamera mit den Farbwerten der RGB-Kamera kombiniert werden </a:t>
-            </a:r>
+              <a:t>Dabei werden die Aufnahmen der Tiefenkamera mit den Farbwerten der RGB-Kamera kombiniert</a:t>
+            </a:r>
+          </a:p>
+          <a:p>
+            <a:pPr marL="174590"/>
+            <a:endParaRPr lang="en-US" sz="2799" b="1" dirty="0"/>
           </a:p>
           <a:p>
             <a:pPr marL="0" indent="0">
@@ -11151,7 +10790,14 @@
               </a:spcBef>
               <a:buNone/>
             </a:pPr>
-            <a:endParaRPr lang="en-US" sz="2799" b="1" dirty="0"/>
+            <a:r>
+              <a:rPr lang="en-US" sz="2799" b="1" dirty="0" err="1"/>
+              <a:t>Tiefenkamera</a:t>
+            </a:r>
+            <a:r>
+              <a:rPr lang="en-US" sz="2799" b="1" dirty="0"/>
+              <a:t>:</a:t>
+            </a:r>
           </a:p>
           <a:p>
             <a:pPr marL="0" indent="0">
@@ -11163,25 +10809,6 @@
               </a:spcBef>
               <a:buNone/>
             </a:pPr>
-            <a:r>
-              <a:rPr lang="en-US" sz="2799" b="1" dirty="0" err="1"/>
-              <a:t>Tiefenkamera</a:t>
-            </a:r>
-            <a:r>
-              <a:rPr lang="en-US" sz="2799" b="1" dirty="0"/>
-              <a:t>:</a:t>
-            </a:r>
-          </a:p>
-          <a:p>
-            <a:pPr marL="0" indent="0">
-              <a:lnSpc>
-                <a:spcPct val="100000"/>
-              </a:lnSpc>
-              <a:spcBef>
-                <a:spcPts val="0"/>
-              </a:spcBef>
-              <a:buNone/>
-            </a:pPr>
             <a:endParaRPr lang="en-US" sz="1000" b="1" dirty="0"/>
           </a:p>
           <a:p>
@@ -11253,18 +10880,17 @@
             </a:r>
             <a:r>
               <a:rPr lang="en-US" sz="2799" dirty="0"/>
-              <a:t> 1-Megapixel Sensor</a:t>
-            </a:r>
-          </a:p>
-          <a:p>
-            <a:pPr marL="174590" indent="0">
+              <a:t> 1-Megapixel-Sensor</a:t>
+            </a:r>
+          </a:p>
+          <a:p>
+            <a:pPr>
               <a:lnSpc>
                 <a:spcPct val="100000"/>
               </a:lnSpc>
               <a:spcBef>
                 <a:spcPts val="0"/>
               </a:spcBef>
-              <a:buNone/>
             </a:pPr>
             <a:endParaRPr lang="en-US" sz="2799" dirty="0"/>
           </a:p>
@@ -11353,8 +10979,8 @@
         </p:blipFill>
         <p:spPr>
           <a:xfrm>
-            <a:off x="6942065" y="17517514"/>
-            <a:ext cx="8262995" cy="6197246"/>
+            <a:off x="6996764" y="17575638"/>
+            <a:ext cx="8073388" cy="6055040"/>
           </a:xfrm>
           <a:prstGeom prst="rect">
             <a:avLst/>
@@ -11376,7 +11002,7 @@
         <p:spPr>
           <a:xfrm>
             <a:off x="1418592" y="17580291"/>
-            <a:ext cx="5358046" cy="6309420"/>
+            <a:ext cx="5358046" cy="5509200"/>
           </a:xfrm>
           <a:prstGeom prst="rect">
             <a:avLst/>
@@ -11398,7 +11024,7 @@
                 <a:latin typeface="Arial" panose="020B0604020202020204" pitchFamily="34" charset="0"/>
                 <a:cs typeface="Arial" panose="020B0604020202020204" pitchFamily="34" charset="0"/>
               </a:rPr>
-              <a:t>Die Trauben und Kamera sind auf verstellbaren Achsen montiert</a:t>
+              <a:t>Die Trauben und die Kamera sind auf verstellbaren Achsen montiert</a:t>
             </a:r>
           </a:p>
           <a:p>
@@ -11406,7 +11032,7 @@
               <a:buFont typeface="Arial" panose="020B0604020202020204" pitchFamily="34" charset="0"/>
               <a:buChar char="•"/>
             </a:pPr>
-            <a:endParaRPr lang="de-DE" sz="2000" dirty="0">
+            <a:endParaRPr lang="de-DE" sz="1400" dirty="0">
               <a:latin typeface="Arial" panose="020B0604020202020204" pitchFamily="34" charset="0"/>
               <a:cs typeface="Arial" panose="020B0604020202020204" pitchFamily="34" charset="0"/>
             </a:endParaRPr>
@@ -11421,7 +11047,7 @@
                 <a:latin typeface="Arial" panose="020B0604020202020204" pitchFamily="34" charset="0"/>
                 <a:cs typeface="Arial" panose="020B0604020202020204" pitchFamily="34" charset="0"/>
               </a:rPr>
-              <a:t>Für den versuch wurde die Distanz zwischen Trauben und Kamera auf 40cm gesetzt</a:t>
+              <a:t>Für den Versuch wurde die Distanz zwischen Trauben und Kamera auf 40–60 cm gesetzt</a:t>
             </a:r>
           </a:p>
           <a:p>
@@ -11429,7 +11055,7 @@
               <a:buFont typeface="Arial" panose="020B0604020202020204" pitchFamily="34" charset="0"/>
               <a:buChar char="•"/>
             </a:pPr>
-            <a:endParaRPr lang="de-DE" sz="2000" dirty="0">
+            <a:endParaRPr lang="de-DE" sz="1400" dirty="0">
               <a:latin typeface="Arial" panose="020B0604020202020204" pitchFamily="34" charset="0"/>
               <a:cs typeface="Arial" panose="020B0604020202020204" pitchFamily="34" charset="0"/>
             </a:endParaRPr>
@@ -11452,7 +11078,7 @@
               <a:buFont typeface="Arial" panose="020B0604020202020204" pitchFamily="34" charset="0"/>
               <a:buChar char="•"/>
             </a:pPr>
-            <a:endParaRPr lang="de-DE" sz="2000" dirty="0">
+            <a:endParaRPr lang="de-DE" sz="1400" dirty="0">
               <a:latin typeface="Arial" panose="020B0604020202020204" pitchFamily="34" charset="0"/>
               <a:cs typeface="Arial" panose="020B0604020202020204" pitchFamily="34" charset="0"/>
             </a:endParaRPr>
@@ -11469,16 +11095,6 @@
               </a:rPr>
               <a:t>Vorerst werden nur grüne Trauben verwendet</a:t>
             </a:r>
-          </a:p>
-          <a:p>
-            <a:pPr marL="457200" indent="-457200">
-              <a:buFont typeface="Arial" panose="020B0604020202020204" pitchFamily="34" charset="0"/>
-              <a:buChar char="•"/>
-            </a:pPr>
-            <a:endParaRPr lang="de-DE" sz="2800" dirty="0">
-              <a:latin typeface="Arial" panose="020B0604020202020204" pitchFamily="34" charset="0"/>
-              <a:cs typeface="Arial" panose="020B0604020202020204" pitchFamily="34" charset="0"/>
-            </a:endParaRPr>
           </a:p>
         </p:txBody>
       </p:sp>
@@ -11657,6 +11273,17 @@
             </a:lvl9pPr>
           </a:lstStyle>
           <a:p>
+            <a:pPr marL="174590"/>
+            <a:r>
+              <a:rPr lang="de-DE" sz="2800" dirty="0"/>
+              <a:t>Der RANSAC-Algorithmus wird verwendet, um robuste Modellparameter zu schätzen, auch wenn ein signifikanter Anteil der Datenpunkte Ausreißer sind</a:t>
+            </a:r>
+          </a:p>
+          <a:p>
+            <a:pPr marL="174590"/>
+            <a:endParaRPr lang="de-DE" sz="1800" b="1" dirty="0"/>
+          </a:p>
+          <a:p>
             <a:pPr marL="536468" indent="-361878">
               <a:buFont typeface="Arial" panose="020B0604020202020204" pitchFamily="34" charset="0"/>
               <a:buChar char="•"/>
@@ -11667,7 +11294,7 @@
             </a:r>
             <a:r>
               <a:rPr lang="de-DE" sz="2800" dirty="0"/>
-              <a:t>: RANSAC identifiziert geometrische Formen in einer Datenmenge durch das Ziehen zufälliger Stichproben und die Suche nach einer Mehrheit der Punkte, die der Form entsprechen</a:t>
+              <a:t>: Der RANSAC-Algorithmus identifiziert geometrische Formen in einer Datenmenge durch das Ziehen zufälliger Stichproben und die Suche nach einer Mehrheit der Punkte, die der Form entsprechen.</a:t>
             </a:r>
           </a:p>
           <a:p>
@@ -11675,7 +11302,7 @@
               <a:buFont typeface="Arial" panose="020B0604020202020204" pitchFamily="34" charset="0"/>
               <a:buChar char="•"/>
             </a:pPr>
-            <a:endParaRPr lang="de-DE" sz="2400" dirty="0"/>
+            <a:endParaRPr lang="de-DE" sz="1400" dirty="0"/>
           </a:p>
           <a:p>
             <a:pPr marL="536468" indent="-361878">
@@ -11684,11 +11311,11 @@
             </a:pPr>
             <a:r>
               <a:rPr lang="de-DE" sz="2800" b="1" dirty="0"/>
-              <a:t>Stichprobenziehung</a:t>
+              <a:t>Stichprobenziehung:</a:t>
             </a:r>
             <a:r>
               <a:rPr lang="de-DE" sz="2800" dirty="0"/>
-              <a:t>: In jeder Iteration wird eine zufällige Stichprobe von Punkten ausgewählt, um eine potenzielle geometrische Form zu schätzen.</a:t>
+              <a:t> In jeder Iteration wird eine zufällige Stichprobe von Punkten ausgewählt, um eine potenzielle geometrische Form zu schätzen.</a:t>
             </a:r>
           </a:p>
           <a:p>
@@ -11696,7 +11323,7 @@
               <a:buFont typeface="Arial" panose="020B0604020202020204" pitchFamily="34" charset="0"/>
               <a:buChar char="•"/>
             </a:pPr>
-            <a:endParaRPr lang="de-DE" sz="2400" dirty="0"/>
+            <a:endParaRPr lang="de-DE" sz="1400" dirty="0"/>
           </a:p>
           <a:p>
             <a:pPr marL="536468" indent="-361878">
@@ -11705,19 +11332,20 @@
             </a:pPr>
             <a:r>
               <a:rPr lang="de-DE" sz="2800" b="1" dirty="0"/>
-              <a:t>Modellprüfung</a:t>
+              <a:t>Modellprüfung:</a:t>
             </a:r>
             <a:r>
               <a:rPr lang="de-DE" sz="2800" dirty="0"/>
-              <a:t>: Das Modell wird mit den restlichen Daten verglichen, um die Anzahl der Punkte zu bestimmen, die der erkannten Form entsprechen.</a:t>
+              <a:t> Das Modell wird mit den restlichen Daten verglichen, um die Anzahl der Punkte zu bestimmen, die der erkannten Form entsprechen. </a:t>
             </a:r>
           </a:p>
           <a:p>
             <a:pPr marL="174590"/>
             <a:r>
-              <a:rPr lang="de-DE" sz="2400" dirty="0"/>
+              <a:rPr lang="de-DE" sz="1400" dirty="0"/>
               <a:t>	</a:t>
             </a:r>
+            <a:endParaRPr lang="de-DE" sz="2400" dirty="0"/>
           </a:p>
           <a:p>
             <a:pPr marL="536468" indent="-361878">
@@ -11726,11 +11354,11 @@
             </a:pPr>
             <a:r>
               <a:rPr lang="de-DE" sz="2800" b="1" dirty="0"/>
-              <a:t>Iterationen</a:t>
+              <a:t>Iterationen:</a:t>
             </a:r>
             <a:r>
               <a:rPr lang="de-DE" sz="2800" dirty="0"/>
-              <a:t>: Der Prozess wird wiederholt, um die beste geometrische Form zu finden, die die Datenpunkte am besten repräsentiert.</a:t>
+              <a:t> Der Prozess wird wiederholt, um die beste geometrische Form zu finden, die die Datenpunkte am besten repräsentiert.</a:t>
             </a:r>
           </a:p>
           <a:p>
@@ -11738,7 +11366,7 @@
               <a:buFont typeface="Arial" panose="020B0604020202020204" pitchFamily="34" charset="0"/>
               <a:buChar char="•"/>
             </a:pPr>
-            <a:endParaRPr lang="de-DE" sz="2400" dirty="0"/>
+            <a:endParaRPr lang="de-DE" sz="1400" dirty="0"/>
           </a:p>
           <a:p>
             <a:pPr marL="536468" indent="-361878">
@@ -11747,11 +11375,11 @@
             </a:pPr>
             <a:r>
               <a:rPr lang="de-DE" sz="2800" b="1" dirty="0"/>
-              <a:t>Endergebnis</a:t>
+              <a:t>Endergebnis:</a:t>
             </a:r>
             <a:r>
               <a:rPr lang="de-DE" sz="2800" dirty="0"/>
-              <a:t>: Die Form mit den meisten unterstützenden Datenpunkten gilt als die beste Form.</a:t>
+              <a:t> Die Form mit den meisten unterstützenden Datenpunkten gilt als die beste Form.</a:t>
             </a:r>
           </a:p>
         </p:txBody>
@@ -11945,7 +11573,7 @@
             </a:r>
             <a:r>
               <a:rPr lang="de-DE" sz="2800" dirty="0"/>
-              <a:t>-Architektur verwendet, diese erlaubt es Punktewolken als Eingabe Daten zu verwenden</a:t>
+              <a:t>-Architektur verwendet</a:t>
             </a:r>
           </a:p>
           <a:p>
@@ -11953,7 +11581,7 @@
               <a:buFont typeface="Arial" panose="020B0604020202020204" pitchFamily="34" charset="0"/>
               <a:buChar char="•"/>
             </a:pPr>
-            <a:endParaRPr lang="de-DE" sz="2000" dirty="0"/>
+            <a:endParaRPr lang="de-DE" sz="1400" dirty="0"/>
           </a:p>
           <a:p>
             <a:pPr marL="536468" indent="-361878">
@@ -11974,7 +11602,7 @@
               <a:buFont typeface="Arial" panose="020B0604020202020204" pitchFamily="34" charset="0"/>
               <a:buChar char="•"/>
             </a:pPr>
-            <a:endParaRPr lang="de-DE" sz="2000" dirty="0"/>
+            <a:endParaRPr lang="de-DE" sz="1400" dirty="0"/>
           </a:p>
           <a:p>
             <a:pPr marL="536468" indent="-361878">
@@ -11983,15 +11611,8 @@
             </a:pPr>
             <a:r>
               <a:rPr lang="de-DE" sz="2800" dirty="0"/>
-              <a:t>Die ersten Trainierten Modelle liefern bereits vielversprechende Ergebnisse</a:t>
-            </a:r>
-          </a:p>
-          <a:p>
-            <a:pPr marL="536468" indent="-361878">
-              <a:buFont typeface="Arial" panose="020B0604020202020204" pitchFamily="34" charset="0"/>
-              <a:buChar char="•"/>
-            </a:pPr>
-            <a:endParaRPr lang="de-DE" sz="2800" dirty="0"/>
+              <a:t>Die erkannten Traubenbeeren aus der Formenerkennung werden als Input für das neuronale Netz verwendet</a:t>
+            </a:r>
           </a:p>
           <a:p>
             <a:pPr marL="536468" indent="-361878">
@@ -12031,8 +11652,8 @@
         </p:blipFill>
         <p:spPr>
           <a:xfrm>
-            <a:off x="15499330" y="29436535"/>
-            <a:ext cx="13737030" cy="4886356"/>
+            <a:off x="15715778" y="29374321"/>
+            <a:ext cx="13358481" cy="4751703"/>
           </a:xfrm>
           <a:prstGeom prst="rect">
             <a:avLst/>
@@ -12061,7 +11682,7 @@
         </p:blipFill>
         <p:spPr>
           <a:xfrm>
-            <a:off x="7627594" y="26398646"/>
+            <a:off x="7202332" y="26213544"/>
             <a:ext cx="7662251" cy="7302561"/>
           </a:xfrm>
           <a:prstGeom prst="rect">
@@ -12084,7 +11705,7 @@
         <p:spPr>
           <a:xfrm>
             <a:off x="1367804" y="26381997"/>
-            <a:ext cx="6690346" cy="9971961"/>
+            <a:ext cx="6690346" cy="7817525"/>
           </a:xfrm>
           <a:prstGeom prst="rect">
             <a:avLst/>
@@ -12106,7 +11727,7 @@
                 <a:latin typeface="Arial" panose="020B0604020202020204" pitchFamily="34" charset="0"/>
                 <a:cs typeface="Arial" panose="020B0604020202020204" pitchFamily="34" charset="0"/>
               </a:rPr>
-              <a:t>Bei diesem Verfahren werden spezielle Formen in der Punktewolke mittels RANSAC Algorithmus gesucht</a:t>
+              <a:t>Bei dem Verfahren werden spezielle Formen in der Punktwolke mithilfe des RANSAC-Algorithmus gesucht</a:t>
             </a:r>
           </a:p>
           <a:p>
@@ -12114,7 +11735,7 @@
               <a:buFont typeface="Arial" panose="020B0604020202020204" pitchFamily="34" charset="0"/>
               <a:buChar char="•"/>
             </a:pPr>
-            <a:endParaRPr lang="de-DE" sz="2000" dirty="0">
+            <a:endParaRPr lang="de-DE" sz="1400" dirty="0">
               <a:latin typeface="Arial" panose="020B0604020202020204" pitchFamily="34" charset="0"/>
               <a:cs typeface="Arial" panose="020B0604020202020204" pitchFamily="34" charset="0"/>
             </a:endParaRPr>
@@ -12129,7 +11750,7 @@
                 <a:latin typeface="Arial" panose="020B0604020202020204" pitchFamily="34" charset="0"/>
                 <a:cs typeface="Arial" panose="020B0604020202020204" pitchFamily="34" charset="0"/>
               </a:rPr>
-              <a:t>In diesem Fall werden versucht, Kugeln in der Punktewolke zu finden</a:t>
+              <a:t>In diesem Fall wird versucht, Kugeln in der Punktwolke zu finden</a:t>
             </a:r>
           </a:p>
           <a:p>
@@ -12137,7 +11758,7 @@
               <a:buFont typeface="Arial" panose="020B0604020202020204" pitchFamily="34" charset="0"/>
               <a:buChar char="•"/>
             </a:pPr>
-            <a:endParaRPr lang="de-DE" sz="2000" dirty="0">
+            <a:endParaRPr lang="de-DE" sz="1400" dirty="0">
               <a:latin typeface="Arial" panose="020B0604020202020204" pitchFamily="34" charset="0"/>
               <a:cs typeface="Arial" panose="020B0604020202020204" pitchFamily="34" charset="0"/>
             </a:endParaRPr>
@@ -12152,94 +11773,54 @@
                 <a:latin typeface="Arial" panose="020B0604020202020204" pitchFamily="34" charset="0"/>
                 <a:cs typeface="Arial" panose="020B0604020202020204" pitchFamily="34" charset="0"/>
               </a:rPr>
-              <a:t>Mit der RANSAC </a:t>
-            </a:r>
-            <a:r>
-              <a:rPr lang="de-DE" sz="2800" dirty="0" err="1">
-                <a:latin typeface="Arial" panose="020B0604020202020204" pitchFamily="34" charset="0"/>
-                <a:cs typeface="Arial" panose="020B0604020202020204" pitchFamily="34" charset="0"/>
-              </a:rPr>
-              <a:t>shape-detection</a:t>
-            </a:r>
+              <a:t>Mit der RANSAC-Formenerkennung werden fast alle Trauben in der Punktwolke erkannt</a:t>
+            </a:r>
+          </a:p>
+          <a:p>
+            <a:pPr marL="457200" indent="-457200">
+              <a:buFont typeface="Arial" panose="020B0604020202020204" pitchFamily="34" charset="0"/>
+              <a:buChar char="+"/>
+            </a:pPr>
+            <a:endParaRPr lang="de-DE" sz="1400" dirty="0">
+              <a:latin typeface="Arial" panose="020B0604020202020204" pitchFamily="34" charset="0"/>
+              <a:cs typeface="Arial" panose="020B0604020202020204" pitchFamily="34" charset="0"/>
+            </a:endParaRPr>
+          </a:p>
+          <a:p>
+            <a:pPr marL="457200" indent="-457200">
+              <a:buFont typeface="Symbol" panose="05050102010706020507" pitchFamily="18" charset="2"/>
+              <a:buChar char="-"/>
+            </a:pPr>
             <a:r>
               <a:rPr lang="de-DE" sz="2800" dirty="0">
                 <a:latin typeface="Arial" panose="020B0604020202020204" pitchFamily="34" charset="0"/>
                 <a:cs typeface="Arial" panose="020B0604020202020204" pitchFamily="34" charset="0"/>
               </a:rPr>
-              <a:t> werden fast alle Trauben in der Punktewolke erkannt</a:t>
-            </a:r>
+              <a:t>Es werden auch einige andere Kugeln erkannt, bei denen es sich nicht um Trauben handelt</a:t>
+            </a:r>
+          </a:p>
+          <a:p>
+            <a:pPr marL="457200" indent="-457200">
+              <a:buFont typeface="Symbol" panose="05050102010706020507" pitchFamily="18" charset="2"/>
+              <a:buChar char="-"/>
+            </a:pPr>
+            <a:endParaRPr lang="de-DE" sz="1400" dirty="0">
+              <a:latin typeface="Arial" panose="020B0604020202020204" pitchFamily="34" charset="0"/>
+              <a:cs typeface="Arial" panose="020B0604020202020204" pitchFamily="34" charset="0"/>
+            </a:endParaRPr>
           </a:p>
           <a:p>
             <a:pPr marL="285750" indent="-285750">
               <a:buFont typeface="Arial" panose="020B0604020202020204" pitchFamily="34" charset="0"/>
               <a:buChar char="•"/>
             </a:pPr>
-            <a:endParaRPr lang="de-DE" sz="2000" dirty="0">
-              <a:latin typeface="Arial" panose="020B0604020202020204" pitchFamily="34" charset="0"/>
-              <a:cs typeface="Arial" panose="020B0604020202020204" pitchFamily="34" charset="0"/>
-            </a:endParaRPr>
-          </a:p>
-          <a:p>
-            <a:pPr marL="457200" indent="-457200">
-              <a:buFont typeface="Symbol" panose="05050102010706020507" pitchFamily="18" charset="2"/>
-              <a:buChar char="-"/>
-            </a:pPr>
             <a:r>
               <a:rPr lang="de-DE" sz="2800" dirty="0">
                 <a:latin typeface="Arial" panose="020B0604020202020204" pitchFamily="34" charset="0"/>
                 <a:cs typeface="Arial" panose="020B0604020202020204" pitchFamily="34" charset="0"/>
               </a:rPr>
-              <a:t>Es werden auch einige andere Kugeln erkannt, bei denen es sich nicht um Trauben handelt </a:t>
-            </a:r>
-          </a:p>
-          <a:p>
-            <a:pPr marL="285750" indent="-285750">
-              <a:buFont typeface="Arial" panose="020B0604020202020204" pitchFamily="34" charset="0"/>
-              <a:buChar char="•"/>
-            </a:pPr>
-            <a:endParaRPr lang="de-DE" sz="2000" dirty="0">
-              <a:latin typeface="Arial" panose="020B0604020202020204" pitchFamily="34" charset="0"/>
-              <a:cs typeface="Arial" panose="020B0604020202020204" pitchFamily="34" charset="0"/>
-            </a:endParaRPr>
-          </a:p>
-          <a:p>
-            <a:pPr marL="285750" indent="-285750">
-              <a:buFont typeface="Arial" panose="020B0604020202020204" pitchFamily="34" charset="0"/>
-              <a:buChar char="•"/>
-            </a:pPr>
-            <a:r>
-              <a:rPr lang="de-DE" sz="2800" dirty="0">
-                <a:latin typeface="Arial" panose="020B0604020202020204" pitchFamily="34" charset="0"/>
-                <a:cs typeface="Arial" panose="020B0604020202020204" pitchFamily="34" charset="0"/>
-              </a:rPr>
-              <a:t>Herausforderung: Richtige Parameter für den RANSAC Algorithmus finden</a:t>
-            </a:r>
-          </a:p>
-          <a:p>
-            <a:endParaRPr lang="de-DE" dirty="0"/>
-          </a:p>
-          <a:p>
-            <a:endParaRPr lang="de-DE" dirty="0"/>
-          </a:p>
-          <a:p>
-            <a:endParaRPr lang="de-DE" dirty="0"/>
-          </a:p>
-          <a:p>
-            <a:endParaRPr lang="de-DE" dirty="0"/>
-          </a:p>
-          <a:p>
-            <a:endParaRPr lang="de-DE" dirty="0"/>
-          </a:p>
-          <a:p>
-            <a:endParaRPr lang="de-DE" dirty="0"/>
-          </a:p>
-          <a:p>
-            <a:endParaRPr lang="de-DE" dirty="0"/>
-          </a:p>
-          <a:p>
-            <a:endParaRPr lang="de-DE" dirty="0"/>
-          </a:p>
-          <a:p>
+              <a:t>Herausforderung: Die richtigen Parameter für den RANSAC-Algorithmus finden</a:t>
+            </a:r>
             <a:endParaRPr lang="de-DE" dirty="0"/>
           </a:p>
           <a:p>

--- a/Poster_eigen.pptx
+++ b/Poster_eigen.pptx
@@ -202,7 +202,7 @@
           <a:p>
             <a:fld id="{58799D8F-83A6-B647-AF5F-7FECB5753E0E}" type="datetimeFigureOut">
               <a:rPr lang="de-DE" smtClean="0"/>
-              <a:t>05.06.2024</a:t>
+              <a:t>11.06.2024</a:t>
             </a:fld>
             <a:endParaRPr lang="de-DE"/>
           </a:p>
@@ -2127,7 +2127,7 @@
           <a:p>
             <a:fld id="{D1973A6A-431C-2646-8DE9-3A1A8FF260FA}" type="datetimeFigureOut">
               <a:rPr lang="de-DE" smtClean="0"/>
-              <a:t>05.06.2024</a:t>
+              <a:t>11.06.2024</a:t>
             </a:fld>
             <a:endParaRPr lang="de-DE"/>
           </a:p>
@@ -3858,7 +3858,7 @@
           <a:p>
             <a:fld id="{D1973A6A-431C-2646-8DE9-3A1A8FF260FA}" type="datetimeFigureOut">
               <a:rPr lang="de-DE" smtClean="0"/>
-              <a:t>05.06.2024</a:t>
+              <a:t>11.06.2024</a:t>
             </a:fld>
             <a:endParaRPr lang="de-DE"/>
           </a:p>
@@ -5589,7 +5589,7 @@
           <a:p>
             <a:fld id="{D1973A6A-431C-2646-8DE9-3A1A8FF260FA}" type="datetimeFigureOut">
               <a:rPr lang="de-DE" smtClean="0"/>
-              <a:t>05.06.2024</a:t>
+              <a:t>11.06.2024</a:t>
             </a:fld>
             <a:endParaRPr lang="de-DE"/>
           </a:p>
@@ -5719,7 +5719,7 @@
           <a:p>
             <a:fld id="{D1973A6A-431C-2646-8DE9-3A1A8FF260FA}" type="datetimeFigureOut">
               <a:rPr lang="de-DE" smtClean="0"/>
-              <a:t>05.06.2024</a:t>
+              <a:t>11.06.2024</a:t>
             </a:fld>
             <a:endParaRPr lang="de-DE"/>
           </a:p>
@@ -6300,7 +6300,7 @@
           <a:p>
             <a:fld id="{D1973A6A-431C-2646-8DE9-3A1A8FF260FA}" type="datetimeFigureOut">
               <a:rPr lang="de-DE" smtClean="0"/>
-              <a:t>05.06.2024</a:t>
+              <a:t>11.06.2024</a:t>
             </a:fld>
             <a:endParaRPr lang="de-DE"/>
           </a:p>
@@ -6875,7 +6875,7 @@
           <a:p>
             <a:fld id="{D1973A6A-431C-2646-8DE9-3A1A8FF260FA}" type="datetimeFigureOut">
               <a:rPr lang="de-DE" smtClean="0"/>
-              <a:t>05.06.2024</a:t>
+              <a:t>11.06.2024</a:t>
             </a:fld>
             <a:endParaRPr lang="de-DE"/>
           </a:p>
@@ -9975,27 +9975,7 @@
                 <a:latin typeface="Arial" panose="020B0604020202020204" pitchFamily="34" charset="0"/>
                 <a:cs typeface="Arial" panose="020B0604020202020204" pitchFamily="34" charset="0"/>
               </a:rPr>
-              <a:t>Dominik </a:t>
-            </a:r>
-            <a:r>
-              <a:rPr lang="en-US" sz="4000" dirty="0" err="1">
-                <a:solidFill>
-                  <a:schemeClr val="bg1"/>
-                </a:solidFill>
-                <a:latin typeface="Arial" panose="020B0604020202020204" pitchFamily="34" charset="0"/>
-                <a:cs typeface="Arial" panose="020B0604020202020204" pitchFamily="34" charset="0"/>
-              </a:rPr>
-              <a:t>Bücher</a:t>
-            </a:r>
-            <a:r>
-              <a:rPr lang="en-US" sz="4000" dirty="0">
-                <a:solidFill>
-                  <a:schemeClr val="bg1"/>
-                </a:solidFill>
-                <a:latin typeface="Arial" panose="020B0604020202020204" pitchFamily="34" charset="0"/>
-                <a:cs typeface="Arial" panose="020B0604020202020204" pitchFamily="34" charset="0"/>
-              </a:rPr>
-              <a:t>, </a:t>
+              <a:t>Dominik Bücher, </a:t>
             </a:r>
             <a:r>
               <a:rPr lang="en-US" sz="4000" dirty="0" err="1">
@@ -10015,8 +9995,25 @@
                 <a:latin typeface="Arial" panose="020B0604020202020204" pitchFamily="34" charset="0"/>
                 <a:cs typeface="Arial" panose="020B0604020202020204" pitchFamily="34" charset="0"/>
               </a:rPr>
-              <a:t>: Peter Ott</a:t>
-            </a:r>
+              <a:t>: Prof. Dr.-Ing. </a:t>
+            </a:r>
+            <a:r>
+              <a:rPr lang="en-US" sz="4000">
+                <a:solidFill>
+                  <a:schemeClr val="bg1"/>
+                </a:solidFill>
+                <a:latin typeface="Arial" panose="020B0604020202020204" pitchFamily="34" charset="0"/>
+                <a:cs typeface="Arial" panose="020B0604020202020204" pitchFamily="34" charset="0"/>
+              </a:rPr>
+              <a:t>Peter Ott</a:t>
+            </a:r>
+            <a:endParaRPr lang="en-US" sz="4000" dirty="0">
+              <a:solidFill>
+                <a:schemeClr val="bg1"/>
+              </a:solidFill>
+              <a:latin typeface="Arial" panose="020B0604020202020204" pitchFamily="34" charset="0"/>
+              <a:cs typeface="Arial" panose="020B0604020202020204" pitchFamily="34" charset="0"/>
+            </a:endParaRPr>
           </a:p>
           <a:p>
             <a:pPr algn="ctr"/>
